--- a/Round 2/Round2_Invincible.pptx
+++ b/Round 2/Round2_Invincible.pptx
@@ -1034,7 +1034,7 @@
         <a:lstStyle/>
         <a:p>
           <a:r>
-            <a:rPr lang="en-US" dirty="0" smtClean="0">
+            <a:rPr lang="en-US" dirty="0">
               <a:solidFill>
                 <a:schemeClr val="accent5">
                   <a:lumMod val="50000"/>
@@ -1043,13 +1043,6 @@
             </a:rPr>
             <a:t>Capturing image/uploading photo by the user</a:t>
           </a:r>
-          <a:endParaRPr lang="en-US" dirty="0">
-            <a:solidFill>
-              <a:schemeClr val="accent5">
-                <a:lumMod val="50000"/>
-              </a:schemeClr>
-            </a:solidFill>
-          </a:endParaRPr>
         </a:p>
       </dgm:t>
     </dgm:pt>
@@ -1083,7 +1076,7 @@
         <a:lstStyle/>
         <a:p>
           <a:r>
-            <a:rPr lang="en-US" dirty="0" smtClean="0">
+            <a:rPr lang="en-US" dirty="0">
               <a:solidFill>
                 <a:schemeClr val="accent5">
                   <a:lumMod val="50000"/>
@@ -1092,13 +1085,6 @@
             </a:rPr>
             <a:t>Taking body size measurements as input from user</a:t>
           </a:r>
-          <a:endParaRPr lang="en-US" dirty="0">
-            <a:solidFill>
-              <a:schemeClr val="accent5">
-                <a:lumMod val="50000"/>
-              </a:schemeClr>
-            </a:solidFill>
-          </a:endParaRPr>
         </a:p>
       </dgm:t>
     </dgm:pt>
@@ -1132,7 +1118,7 @@
         <a:lstStyle/>
         <a:p>
           <a:r>
-            <a:rPr lang="en-US" dirty="0" smtClean="0">
+            <a:rPr lang="en-US" dirty="0">
               <a:solidFill>
                 <a:schemeClr val="accent5">
                   <a:lumMod val="50000"/>
@@ -1141,13 +1127,6 @@
             </a:rPr>
             <a:t>Size Recommendation using a recommender system</a:t>
           </a:r>
-          <a:endParaRPr lang="en-US" dirty="0">
-            <a:solidFill>
-              <a:schemeClr val="accent5">
-                <a:lumMod val="50000"/>
-              </a:schemeClr>
-            </a:solidFill>
-          </a:endParaRPr>
         </a:p>
       </dgm:t>
     </dgm:pt>
@@ -1181,13 +1160,6 @@
         </dgm:presLayoutVars>
       </dgm:prSet>
       <dgm:spPr/>
-      <dgm:t>
-        <a:bodyPr/>
-        <a:lstStyle/>
-        <a:p>
-          <a:endParaRPr lang="en-US"/>
-        </a:p>
-      </dgm:t>
     </dgm:pt>
     <dgm:pt modelId="{DF8CF97F-A098-451D-8FD0-3D5983CA12F4}" type="pres">
       <dgm:prSet presAssocID="{4C2C2A66-1205-401B-85E5-9117B1908525}" presName="composite" presStyleCnt="0"/>
@@ -1218,35 +1190,14 @@
         </dgm:presLayoutVars>
       </dgm:prSet>
       <dgm:spPr/>
-      <dgm:t>
-        <a:bodyPr/>
-        <a:lstStyle/>
-        <a:p>
-          <a:endParaRPr lang="en-US"/>
-        </a:p>
-      </dgm:t>
     </dgm:pt>
     <dgm:pt modelId="{EE6F7743-19AD-41FA-AAD9-702A38CD197C}" type="pres">
       <dgm:prSet presAssocID="{F68A9687-6FC8-4DE3-A144-35A7A72D80A3}" presName="sibTrans" presStyleLbl="sibTrans2D1" presStyleIdx="0" presStyleCnt="2" custAng="115481" custScaleX="256105" custScaleY="71846" custLinFactNeighborX="0" custLinFactNeighborY="-4388"/>
       <dgm:spPr/>
-      <dgm:t>
-        <a:bodyPr/>
-        <a:lstStyle/>
-        <a:p>
-          <a:endParaRPr lang="en-US"/>
-        </a:p>
-      </dgm:t>
     </dgm:pt>
     <dgm:pt modelId="{CE93D6B5-E7B0-4B5B-BF1E-C083D17CEE99}" type="pres">
       <dgm:prSet presAssocID="{F68A9687-6FC8-4DE3-A144-35A7A72D80A3}" presName="connTx" presStyleLbl="sibTrans2D1" presStyleIdx="0" presStyleCnt="2"/>
       <dgm:spPr/>
-      <dgm:t>
-        <a:bodyPr/>
-        <a:lstStyle/>
-        <a:p>
-          <a:endParaRPr lang="en-US"/>
-        </a:p>
-      </dgm:t>
     </dgm:pt>
     <dgm:pt modelId="{E5D4AE4E-DDD1-4A98-878B-5AB1E2F9C180}" type="pres">
       <dgm:prSet presAssocID="{B4EA60A3-891C-4376-AFF1-F50E6C94932D}" presName="composite" presStyleCnt="0"/>
@@ -1277,35 +1228,14 @@
         </dgm:presLayoutVars>
       </dgm:prSet>
       <dgm:spPr/>
-      <dgm:t>
-        <a:bodyPr/>
-        <a:lstStyle/>
-        <a:p>
-          <a:endParaRPr lang="en-US"/>
-        </a:p>
-      </dgm:t>
     </dgm:pt>
     <dgm:pt modelId="{53DC7AB4-55F8-450D-9375-5D92DCD7C861}" type="pres">
       <dgm:prSet presAssocID="{EB6A78A0-B31B-4A96-B481-9804D611E3B7}" presName="sibTrans" presStyleLbl="sibTrans2D1" presStyleIdx="1" presStyleCnt="2" custAng="21358664" custScaleX="122334" custScaleY="78690" custLinFactNeighborX="2394" custLinFactNeighborY="-5850"/>
       <dgm:spPr/>
-      <dgm:t>
-        <a:bodyPr/>
-        <a:lstStyle/>
-        <a:p>
-          <a:endParaRPr lang="en-US"/>
-        </a:p>
-      </dgm:t>
     </dgm:pt>
     <dgm:pt modelId="{3A3F6844-02F7-468C-812C-85635368E906}" type="pres">
       <dgm:prSet presAssocID="{EB6A78A0-B31B-4A96-B481-9804D611E3B7}" presName="connTx" presStyleLbl="sibTrans2D1" presStyleIdx="1" presStyleCnt="2"/>
       <dgm:spPr/>
-      <dgm:t>
-        <a:bodyPr/>
-        <a:lstStyle/>
-        <a:p>
-          <a:endParaRPr lang="en-US"/>
-        </a:p>
-      </dgm:t>
     </dgm:pt>
     <dgm:pt modelId="{175FF81D-C742-421E-946A-B97FC56C1B3D}" type="pres">
       <dgm:prSet presAssocID="{FE109576-ADE9-4EB0-BF1A-1BAE3C5D72AC}" presName="composite" presStyleCnt="0"/>
@@ -1336,27 +1266,20 @@
         </dgm:presLayoutVars>
       </dgm:prSet>
       <dgm:spPr/>
-      <dgm:t>
-        <a:bodyPr/>
-        <a:lstStyle/>
-        <a:p>
-          <a:endParaRPr lang="en-US"/>
-        </a:p>
-      </dgm:t>
     </dgm:pt>
   </dgm:ptLst>
   <dgm:cxnLst>
+    <dgm:cxn modelId="{A0FABF15-9231-4DAB-9363-536DEDB0340A}" type="presOf" srcId="{F68A9687-6FC8-4DE3-A144-35A7A72D80A3}" destId="{EE6F7743-19AD-41FA-AAD9-702A38CD197C}" srcOrd="0" destOrd="0" presId="urn:microsoft.com/office/officeart/2005/8/layout/hProcess10"/>
+    <dgm:cxn modelId="{BABDC520-06DA-43FC-BC4A-D62B064B93BC}" srcId="{39B108CA-99CD-4DBC-8A89-7265CB01CA38}" destId="{FE109576-ADE9-4EB0-BF1A-1BAE3C5D72AC}" srcOrd="2" destOrd="0" parTransId="{D28F647A-B69F-4F7C-9086-76AD84856786}" sibTransId="{2E958929-D4D8-4E44-BB94-8BDCC23251CA}"/>
+    <dgm:cxn modelId="{31FFE231-DC70-48DC-A6A8-CF0249125B99}" type="presOf" srcId="{F68A9687-6FC8-4DE3-A144-35A7A72D80A3}" destId="{CE93D6B5-E7B0-4B5B-BF1E-C083D17CEE99}" srcOrd="1" destOrd="0" presId="urn:microsoft.com/office/officeart/2005/8/layout/hProcess10"/>
+    <dgm:cxn modelId="{4D93B369-FBBC-4B49-B38C-7107B25369A3}" type="presOf" srcId="{39B108CA-99CD-4DBC-8A89-7265CB01CA38}" destId="{F7A8EE6C-D4AA-4F0D-86C4-D216F0DA6548}" srcOrd="0" destOrd="0" presId="urn:microsoft.com/office/officeart/2005/8/layout/hProcess10"/>
+    <dgm:cxn modelId="{240D5B51-C1AF-43C2-9544-49B5674B8829}" type="presOf" srcId="{B4EA60A3-891C-4376-AFF1-F50E6C94932D}" destId="{31010AF6-72E5-4527-8FF5-D7F3DB41FE90}" srcOrd="0" destOrd="0" presId="urn:microsoft.com/office/officeart/2005/8/layout/hProcess10"/>
+    <dgm:cxn modelId="{D52F6CB6-6819-4051-9783-0752B37922B3}" type="presOf" srcId="{4C2C2A66-1205-401B-85E5-9117B1908525}" destId="{19702A42-F3A8-4175-85B3-297EFBCD722F}" srcOrd="0" destOrd="0" presId="urn:microsoft.com/office/officeart/2005/8/layout/hProcess10"/>
+    <dgm:cxn modelId="{8F5479B6-0C7F-4451-818F-4B2B8B5A369F}" srcId="{39B108CA-99CD-4DBC-8A89-7265CB01CA38}" destId="{4C2C2A66-1205-401B-85E5-9117B1908525}" srcOrd="0" destOrd="0" parTransId="{35B5391B-050A-4717-88C5-FC49D0E63167}" sibTransId="{F68A9687-6FC8-4DE3-A144-35A7A72D80A3}"/>
+    <dgm:cxn modelId="{4EEFFAB9-076F-4DAF-8E66-7A77026D7715}" type="presOf" srcId="{EB6A78A0-B31B-4A96-B481-9804D611E3B7}" destId="{53DC7AB4-55F8-450D-9375-5D92DCD7C861}" srcOrd="0" destOrd="0" presId="urn:microsoft.com/office/officeart/2005/8/layout/hProcess10"/>
+    <dgm:cxn modelId="{A51A14C4-5287-4378-9065-659C5AE3EB2F}" srcId="{39B108CA-99CD-4DBC-8A89-7265CB01CA38}" destId="{B4EA60A3-891C-4376-AFF1-F50E6C94932D}" srcOrd="1" destOrd="0" parTransId="{2ACAB7A2-6535-4B7D-BD9D-F80F2F2F950D}" sibTransId="{EB6A78A0-B31B-4A96-B481-9804D611E3B7}"/>
+    <dgm:cxn modelId="{564E57E8-BA20-4085-B02E-F9B72B4FD32E}" type="presOf" srcId="{FE109576-ADE9-4EB0-BF1A-1BAE3C5D72AC}" destId="{F00D4827-F182-45A4-905C-A150F8BF55F0}" srcOrd="0" destOrd="0" presId="urn:microsoft.com/office/officeart/2005/8/layout/hProcess10"/>
     <dgm:cxn modelId="{1940FEED-F5D5-492E-BC59-CF9ABCC86436}" type="presOf" srcId="{EB6A78A0-B31B-4A96-B481-9804D611E3B7}" destId="{3A3F6844-02F7-468C-812C-85635368E906}" srcOrd="1" destOrd="0" presId="urn:microsoft.com/office/officeart/2005/8/layout/hProcess10"/>
-    <dgm:cxn modelId="{A0FABF15-9231-4DAB-9363-536DEDB0340A}" type="presOf" srcId="{F68A9687-6FC8-4DE3-A144-35A7A72D80A3}" destId="{EE6F7743-19AD-41FA-AAD9-702A38CD197C}" srcOrd="0" destOrd="0" presId="urn:microsoft.com/office/officeart/2005/8/layout/hProcess10"/>
-    <dgm:cxn modelId="{240D5B51-C1AF-43C2-9544-49B5674B8829}" type="presOf" srcId="{B4EA60A3-891C-4376-AFF1-F50E6C94932D}" destId="{31010AF6-72E5-4527-8FF5-D7F3DB41FE90}" srcOrd="0" destOrd="0" presId="urn:microsoft.com/office/officeart/2005/8/layout/hProcess10"/>
-    <dgm:cxn modelId="{31FFE231-DC70-48DC-A6A8-CF0249125B99}" type="presOf" srcId="{F68A9687-6FC8-4DE3-A144-35A7A72D80A3}" destId="{CE93D6B5-E7B0-4B5B-BF1E-C083D17CEE99}" srcOrd="1" destOrd="0" presId="urn:microsoft.com/office/officeart/2005/8/layout/hProcess10"/>
-    <dgm:cxn modelId="{A51A14C4-5287-4378-9065-659C5AE3EB2F}" srcId="{39B108CA-99CD-4DBC-8A89-7265CB01CA38}" destId="{B4EA60A3-891C-4376-AFF1-F50E6C94932D}" srcOrd="1" destOrd="0" parTransId="{2ACAB7A2-6535-4B7D-BD9D-F80F2F2F950D}" sibTransId="{EB6A78A0-B31B-4A96-B481-9804D611E3B7}"/>
-    <dgm:cxn modelId="{4EEFFAB9-076F-4DAF-8E66-7A77026D7715}" type="presOf" srcId="{EB6A78A0-B31B-4A96-B481-9804D611E3B7}" destId="{53DC7AB4-55F8-450D-9375-5D92DCD7C861}" srcOrd="0" destOrd="0" presId="urn:microsoft.com/office/officeart/2005/8/layout/hProcess10"/>
-    <dgm:cxn modelId="{4D93B369-FBBC-4B49-B38C-7107B25369A3}" type="presOf" srcId="{39B108CA-99CD-4DBC-8A89-7265CB01CA38}" destId="{F7A8EE6C-D4AA-4F0D-86C4-D216F0DA6548}" srcOrd="0" destOrd="0" presId="urn:microsoft.com/office/officeart/2005/8/layout/hProcess10"/>
-    <dgm:cxn modelId="{BABDC520-06DA-43FC-BC4A-D62B064B93BC}" srcId="{39B108CA-99CD-4DBC-8A89-7265CB01CA38}" destId="{FE109576-ADE9-4EB0-BF1A-1BAE3C5D72AC}" srcOrd="2" destOrd="0" parTransId="{D28F647A-B69F-4F7C-9086-76AD84856786}" sibTransId="{2E958929-D4D8-4E44-BB94-8BDCC23251CA}"/>
-    <dgm:cxn modelId="{564E57E8-BA20-4085-B02E-F9B72B4FD32E}" type="presOf" srcId="{FE109576-ADE9-4EB0-BF1A-1BAE3C5D72AC}" destId="{F00D4827-F182-45A4-905C-A150F8BF55F0}" srcOrd="0" destOrd="0" presId="urn:microsoft.com/office/officeart/2005/8/layout/hProcess10"/>
-    <dgm:cxn modelId="{8F5479B6-0C7F-4451-818F-4B2B8B5A369F}" srcId="{39B108CA-99CD-4DBC-8A89-7265CB01CA38}" destId="{4C2C2A66-1205-401B-85E5-9117B1908525}" srcOrd="0" destOrd="0" parTransId="{35B5391B-050A-4717-88C5-FC49D0E63167}" sibTransId="{F68A9687-6FC8-4DE3-A144-35A7A72D80A3}"/>
-    <dgm:cxn modelId="{D52F6CB6-6819-4051-9783-0752B37922B3}" type="presOf" srcId="{4C2C2A66-1205-401B-85E5-9117B1908525}" destId="{19702A42-F3A8-4175-85B3-297EFBCD722F}" srcOrd="0" destOrd="0" presId="urn:microsoft.com/office/officeart/2005/8/layout/hProcess10"/>
     <dgm:cxn modelId="{B3C2B9A1-D498-40CB-9DAE-C499A6BC03A1}" type="presParOf" srcId="{F7A8EE6C-D4AA-4F0D-86C4-D216F0DA6548}" destId="{DF8CF97F-A098-451D-8FD0-3D5983CA12F4}" srcOrd="0" destOrd="0" presId="urn:microsoft.com/office/officeart/2005/8/layout/hProcess10"/>
     <dgm:cxn modelId="{2BBCE9F3-390A-4152-8630-41AEEC4A97FD}" type="presParOf" srcId="{DF8CF97F-A098-451D-8FD0-3D5983CA12F4}" destId="{3CB3416E-B43A-475C-9FC5-F2A14480FB43}" srcOrd="0" destOrd="0" presId="urn:microsoft.com/office/officeart/2005/8/layout/hProcess10"/>
     <dgm:cxn modelId="{2CF07097-A7EF-4538-A970-602F39496579}" type="presParOf" srcId="{DF8CF97F-A098-451D-8FD0-3D5983CA12F4}" destId="{19702A42-F3A8-4175-85B3-297EFBCD722F}" srcOrd="1" destOrd="0" presId="urn:microsoft.com/office/officeart/2005/8/layout/hProcess10"/>
@@ -1516,7 +1439,7 @@
         </a:bodyPr>
         <a:lstStyle/>
         <a:p>
-          <a:pPr lvl="0" algn="ctr" defTabSz="933450">
+          <a:pPr marL="0" lvl="0" indent="0" algn="ctr" defTabSz="933450">
             <a:lnSpc>
               <a:spcPct val="90000"/>
             </a:lnSpc>
@@ -1526,9 +1449,10 @@
             <a:spcAft>
               <a:spcPct val="35000"/>
             </a:spcAft>
+            <a:buNone/>
           </a:pPr>
           <a:r>
-            <a:rPr lang="en-US" sz="2100" kern="1200" dirty="0" smtClean="0">
+            <a:rPr lang="en-US" sz="2100" kern="1200" dirty="0">
               <a:solidFill>
                 <a:schemeClr val="accent5">
                   <a:lumMod val="50000"/>
@@ -1537,13 +1461,6 @@
             </a:rPr>
             <a:t>Capturing image/uploading photo by the user</a:t>
           </a:r>
-          <a:endParaRPr lang="en-US" sz="2100" kern="1200" dirty="0">
-            <a:solidFill>
-              <a:schemeClr val="accent5">
-                <a:lumMod val="50000"/>
-              </a:schemeClr>
-            </a:solidFill>
-          </a:endParaRPr>
         </a:p>
       </dsp:txBody>
       <dsp:txXfrm>
@@ -1633,7 +1550,7 @@
         </a:bodyPr>
         <a:lstStyle/>
         <a:p>
-          <a:pPr lvl="0" algn="ctr" defTabSz="755650">
+          <a:pPr marL="0" lvl="0" indent="0" algn="ctr" defTabSz="755650">
             <a:lnSpc>
               <a:spcPct val="90000"/>
             </a:lnSpc>
@@ -1643,6 +1560,7 @@
             <a:spcAft>
               <a:spcPct val="35000"/>
             </a:spcAft>
+            <a:buNone/>
           </a:pPr>
           <a:endParaRPr lang="en-US" sz="1700" kern="1200"/>
         </a:p>
@@ -1779,7 +1697,7 @@
         </a:bodyPr>
         <a:lstStyle/>
         <a:p>
-          <a:pPr lvl="0" algn="ctr" defTabSz="933450">
+          <a:pPr marL="0" lvl="0" indent="0" algn="ctr" defTabSz="933450">
             <a:lnSpc>
               <a:spcPct val="90000"/>
             </a:lnSpc>
@@ -1789,9 +1707,10 @@
             <a:spcAft>
               <a:spcPct val="35000"/>
             </a:spcAft>
+            <a:buNone/>
           </a:pPr>
           <a:r>
-            <a:rPr lang="en-US" sz="2100" kern="1200" dirty="0" smtClean="0">
+            <a:rPr lang="en-US" sz="2100" kern="1200" dirty="0">
               <a:solidFill>
                 <a:schemeClr val="accent5">
                   <a:lumMod val="50000"/>
@@ -1800,13 +1719,6 @@
             </a:rPr>
             <a:t>Taking body size measurements as input from user</a:t>
           </a:r>
-          <a:endParaRPr lang="en-US" sz="2100" kern="1200" dirty="0">
-            <a:solidFill>
-              <a:schemeClr val="accent5">
-                <a:lumMod val="50000"/>
-              </a:schemeClr>
-            </a:solidFill>
-          </a:endParaRPr>
         </a:p>
       </dsp:txBody>
       <dsp:txXfrm>
@@ -1896,7 +1808,7 @@
         </a:bodyPr>
         <a:lstStyle/>
         <a:p>
-          <a:pPr lvl="0" algn="ctr" defTabSz="755650">
+          <a:pPr marL="0" lvl="0" indent="0" algn="ctr" defTabSz="755650">
             <a:lnSpc>
               <a:spcPct val="90000"/>
             </a:lnSpc>
@@ -1906,6 +1818,7 @@
             <a:spcAft>
               <a:spcPct val="35000"/>
             </a:spcAft>
+            <a:buNone/>
           </a:pPr>
           <a:endParaRPr lang="en-US" sz="1700" kern="1200"/>
         </a:p>
@@ -2042,7 +1955,7 @@
         </a:bodyPr>
         <a:lstStyle/>
         <a:p>
-          <a:pPr lvl="0" algn="ctr" defTabSz="933450">
+          <a:pPr marL="0" lvl="0" indent="0" algn="ctr" defTabSz="933450">
             <a:lnSpc>
               <a:spcPct val="90000"/>
             </a:lnSpc>
@@ -2052,9 +1965,10 @@
             <a:spcAft>
               <a:spcPct val="35000"/>
             </a:spcAft>
+            <a:buNone/>
           </a:pPr>
           <a:r>
-            <a:rPr lang="en-US" sz="2100" kern="1200" dirty="0" smtClean="0">
+            <a:rPr lang="en-US" sz="2100" kern="1200" dirty="0">
               <a:solidFill>
                 <a:schemeClr val="accent5">
                   <a:lumMod val="50000"/>
@@ -2063,13 +1977,6 @@
             </a:rPr>
             <a:t>Size Recommendation using a recommender system</a:t>
           </a:r>
-          <a:endParaRPr lang="en-US" sz="2100" kern="1200" dirty="0">
-            <a:solidFill>
-              <a:schemeClr val="accent5">
-                <a:lumMod val="50000"/>
-              </a:schemeClr>
-            </a:solidFill>
-          </a:endParaRPr>
         </a:p>
       </dsp:txBody>
       <dsp:txXfrm>
@@ -3437,7 +3344,7 @@
           <a:p>
             <a:fld id="{9D849352-39CB-486C-AEA5-5D17795DD0C7}" type="datetimeFigureOut">
               <a:rPr lang="en-US" smtClean="0"/>
-              <a:t>04/08/2021</a:t>
+              <a:t>4/10/2021</a:t>
             </a:fld>
             <a:endParaRPr lang="en-US" dirty="0"/>
           </a:p>
@@ -5403,7 +5310,7 @@
                 <a16:creationId xmlns:a16="http://schemas.microsoft.com/office/drawing/2014/main" id="{F01A8306-2063-4EE3-B249-F2AA08C30ACA}"/>
               </a:ext>
               <a:ext uri="{C183D7F6-B498-43B3-948B-1728B52AA6E4}">
-                <adec:decorative xmlns:adec="http://schemas.microsoft.com/office/drawing/2017/decorative" xmlns="" val="1"/>
+                <adec:decorative xmlns:adec="http://schemas.microsoft.com/office/drawing/2017/decorative" val="1"/>
               </a:ext>
             </a:extLst>
           </p:cNvPr>
@@ -5468,7 +5375,7 @@
                 <a16:creationId xmlns:a16="http://schemas.microsoft.com/office/drawing/2014/main" id="{D3E64438-1D32-4E70-8582-6A520002B9F1}"/>
               </a:ext>
               <a:ext uri="{C183D7F6-B498-43B3-948B-1728B52AA6E4}">
-                <adec:decorative xmlns:adec="http://schemas.microsoft.com/office/drawing/2017/decorative" xmlns="" val="1"/>
+                <adec:decorative xmlns:adec="http://schemas.microsoft.com/office/drawing/2017/decorative" val="1"/>
               </a:ext>
             </a:extLst>
           </p:cNvPr>
@@ -5537,7 +5444,7 @@
                 <a16:creationId xmlns:a16="http://schemas.microsoft.com/office/drawing/2014/main" id="{E4954AC3-129F-4075-B216-D22A2C24021F}"/>
               </a:ext>
               <a:ext uri="{C183D7F6-B498-43B3-948B-1728B52AA6E4}">
-                <adec:decorative xmlns:adec="http://schemas.microsoft.com/office/drawing/2017/decorative" xmlns="" val="1"/>
+                <adec:decorative xmlns:adec="http://schemas.microsoft.com/office/drawing/2017/decorative" val="1"/>
               </a:ext>
             </a:extLst>
           </p:cNvPr>
@@ -5604,7 +5511,7 @@
                 <a16:creationId xmlns:a16="http://schemas.microsoft.com/office/drawing/2014/main" id="{717117C9-4AC1-4174-8CED-D839A05086FE}"/>
               </a:ext>
               <a:ext uri="{C183D7F6-B498-43B3-948B-1728B52AA6E4}">
-                <adec:decorative xmlns:adec="http://schemas.microsoft.com/office/drawing/2017/decorative" xmlns="" val="1"/>
+                <adec:decorative xmlns:adec="http://schemas.microsoft.com/office/drawing/2017/decorative" val="1"/>
               </a:ext>
             </a:extLst>
           </p:cNvPr>
@@ -5725,7 +5632,7 @@
                 <a16:creationId xmlns:a16="http://schemas.microsoft.com/office/drawing/2014/main" id="{3648B8AB-3038-447E-A760-83F9D9900314}"/>
               </a:ext>
               <a:ext uri="{C183D7F6-B498-43B3-948B-1728B52AA6E4}">
-                <adec:decorative xmlns:adec="http://schemas.microsoft.com/office/drawing/2017/decorative" xmlns="" val="1"/>
+                <adec:decorative xmlns:adec="http://schemas.microsoft.com/office/drawing/2017/decorative" val="1"/>
               </a:ext>
             </a:extLst>
           </p:cNvPr>
@@ -7134,7 +7041,7 @@
                 <a16:creationId xmlns:a16="http://schemas.microsoft.com/office/drawing/2014/main" id="{306F3896-19D4-4232-82CE-6C81979F6FE1}"/>
               </a:ext>
               <a:ext uri="{C183D7F6-B498-43B3-948B-1728B52AA6E4}">
-                <adec:decorative xmlns:adec="http://schemas.microsoft.com/office/drawing/2017/decorative" xmlns="" val="1"/>
+                <adec:decorative xmlns:adec="http://schemas.microsoft.com/office/drawing/2017/decorative" val="1"/>
               </a:ext>
             </a:extLst>
           </p:cNvPr>
@@ -7286,7 +7193,7 @@
                 <a16:creationId xmlns:a16="http://schemas.microsoft.com/office/drawing/2014/main" id="{6F7B3B56-B1E0-482A-BCB7-F6DFF267F460}"/>
               </a:ext>
               <a:ext uri="{C183D7F6-B498-43B3-948B-1728B52AA6E4}">
-                <adec:decorative xmlns:adec="http://schemas.microsoft.com/office/drawing/2017/decorative" xmlns="" val="1"/>
+                <adec:decorative xmlns:adec="http://schemas.microsoft.com/office/drawing/2017/decorative" val="1"/>
               </a:ext>
             </a:extLst>
           </p:cNvPr>
@@ -7351,7 +7258,7 @@
                 <a16:creationId xmlns:a16="http://schemas.microsoft.com/office/drawing/2014/main" id="{1966FDA2-772B-4D2A-AB6A-EE70A258E8F2}"/>
               </a:ext>
               <a:ext uri="{C183D7F6-B498-43B3-948B-1728B52AA6E4}">
-                <adec:decorative xmlns:adec="http://schemas.microsoft.com/office/drawing/2017/decorative" xmlns="" val="1"/>
+                <adec:decorative xmlns:adec="http://schemas.microsoft.com/office/drawing/2017/decorative" val="1"/>
               </a:ext>
             </a:extLst>
           </p:cNvPr>
@@ -7418,7 +7325,7 @@
                 <a16:creationId xmlns:a16="http://schemas.microsoft.com/office/drawing/2014/main" id="{113291B3-B6EE-40A3-8DD7-FA478AD26ED6}"/>
               </a:ext>
               <a:ext uri="{C183D7F6-B498-43B3-948B-1728B52AA6E4}">
-                <adec:decorative xmlns:adec="http://schemas.microsoft.com/office/drawing/2017/decorative" xmlns="" val="1"/>
+                <adec:decorative xmlns:adec="http://schemas.microsoft.com/office/drawing/2017/decorative" val="1"/>
               </a:ext>
             </a:extLst>
           </p:cNvPr>
@@ -7580,7 +7487,7 @@
                 <a16:creationId xmlns:a16="http://schemas.microsoft.com/office/drawing/2014/main" id="{CD997F7F-035E-456B-A91D-449104462481}"/>
               </a:ext>
               <a:ext uri="{C183D7F6-B498-43B3-948B-1728B52AA6E4}">
-                <adec:decorative xmlns:adec="http://schemas.microsoft.com/office/drawing/2017/decorative" xmlns="" val="1"/>
+                <adec:decorative xmlns:adec="http://schemas.microsoft.com/office/drawing/2017/decorative" val="1"/>
               </a:ext>
             </a:extLst>
           </p:cNvPr>
@@ -9005,7 +8912,7 @@
                 <a16:creationId xmlns:a16="http://schemas.microsoft.com/office/drawing/2014/main" id="{4EC0C88D-87E5-47C3-AA92-269E45C85DD1}"/>
               </a:ext>
               <a:ext uri="{C183D7F6-B498-43B3-948B-1728B52AA6E4}">
-                <adec:decorative xmlns:adec="http://schemas.microsoft.com/office/drawing/2017/decorative" xmlns="" val="1"/>
+                <adec:decorative xmlns:adec="http://schemas.microsoft.com/office/drawing/2017/decorative" val="1"/>
               </a:ext>
             </a:extLst>
           </p:cNvPr>
@@ -9213,7 +9120,7 @@
                 <a16:creationId xmlns:a16="http://schemas.microsoft.com/office/drawing/2014/main" id="{4D12C7D5-A921-47A9-8619-DD3D6EC8142C}"/>
               </a:ext>
               <a:ext uri="{C183D7F6-B498-43B3-948B-1728B52AA6E4}">
-                <adec:decorative xmlns:adec="http://schemas.microsoft.com/office/drawing/2017/decorative" xmlns="" val="1"/>
+                <adec:decorative xmlns:adec="http://schemas.microsoft.com/office/drawing/2017/decorative" val="1"/>
               </a:ext>
             </a:extLst>
           </p:cNvPr>
@@ -9406,7 +9313,7 @@
                 <a16:creationId xmlns:a16="http://schemas.microsoft.com/office/drawing/2014/main" id="{34315B16-F859-4692-83E7-34DB868379B2}"/>
               </a:ext>
               <a:ext uri="{C183D7F6-B498-43B3-948B-1728B52AA6E4}">
-                <adec:decorative xmlns:adec="http://schemas.microsoft.com/office/drawing/2017/decorative" xmlns="" val="1"/>
+                <adec:decorative xmlns:adec="http://schemas.microsoft.com/office/drawing/2017/decorative" val="1"/>
               </a:ext>
             </a:extLst>
           </p:cNvPr>
@@ -9503,7 +9410,7 @@
                 <a16:creationId xmlns:a16="http://schemas.microsoft.com/office/drawing/2014/main" id="{4EC0C88D-87E5-47C3-AA92-269E45C85DD1}"/>
               </a:ext>
               <a:ext uri="{C183D7F6-B498-43B3-948B-1728B52AA6E4}">
-                <adec:decorative xmlns:adec="http://schemas.microsoft.com/office/drawing/2017/decorative" xmlns="" val="1"/>
+                <adec:decorative xmlns:adec="http://schemas.microsoft.com/office/drawing/2017/decorative" val="1"/>
               </a:ext>
             </a:extLst>
           </p:cNvPr>
@@ -9711,7 +9618,7 @@
                 <a16:creationId xmlns:a16="http://schemas.microsoft.com/office/drawing/2014/main" id="{4D12C7D5-A921-47A9-8619-DD3D6EC8142C}"/>
               </a:ext>
               <a:ext uri="{C183D7F6-B498-43B3-948B-1728B52AA6E4}">
-                <adec:decorative xmlns:adec="http://schemas.microsoft.com/office/drawing/2017/decorative" xmlns="" val="1"/>
+                <adec:decorative xmlns:adec="http://schemas.microsoft.com/office/drawing/2017/decorative" val="1"/>
               </a:ext>
             </a:extLst>
           </p:cNvPr>
@@ -9904,7 +9811,7 @@
                 <a16:creationId xmlns:a16="http://schemas.microsoft.com/office/drawing/2014/main" id="{34315B16-F859-4692-83E7-34DB868379B2}"/>
               </a:ext>
               <a:ext uri="{C183D7F6-B498-43B3-948B-1728B52AA6E4}">
-                <adec:decorative xmlns:adec="http://schemas.microsoft.com/office/drawing/2017/decorative" xmlns="" val="1"/>
+                <adec:decorative xmlns:adec="http://schemas.microsoft.com/office/drawing/2017/decorative" val="1"/>
               </a:ext>
             </a:extLst>
           </p:cNvPr>
@@ -10001,7 +9908,7 @@
                 <a16:creationId xmlns:a16="http://schemas.microsoft.com/office/drawing/2014/main" id="{1B46EB34-1B8B-4396-BFD2-98D14076D4B8}"/>
               </a:ext>
               <a:ext uri="{C183D7F6-B498-43B3-948B-1728B52AA6E4}">
-                <adec:decorative xmlns:adec="http://schemas.microsoft.com/office/drawing/2017/decorative" xmlns="" val="1"/>
+                <adec:decorative xmlns:adec="http://schemas.microsoft.com/office/drawing/2017/decorative" val="1"/>
               </a:ext>
             </a:extLst>
           </p:cNvPr>
@@ -10064,7 +9971,7 @@
                 <a16:creationId xmlns:a16="http://schemas.microsoft.com/office/drawing/2014/main" id="{F3E69A3D-D17E-4FD6-87AB-82FA30AC072A}"/>
               </a:ext>
               <a:ext uri="{C183D7F6-B498-43B3-948B-1728B52AA6E4}">
-                <adec:decorative xmlns:adec="http://schemas.microsoft.com/office/drawing/2017/decorative" xmlns="" val="1"/>
+                <adec:decorative xmlns:adec="http://schemas.microsoft.com/office/drawing/2017/decorative" val="1"/>
               </a:ext>
             </a:extLst>
           </p:cNvPr>
@@ -10133,7 +10040,7 @@
                 <a16:creationId xmlns:a16="http://schemas.microsoft.com/office/drawing/2014/main" id="{CAE216A4-83E5-4AF8-83B6-82171757BA87}"/>
               </a:ext>
               <a:ext uri="{C183D7F6-B498-43B3-948B-1728B52AA6E4}">
-                <adec:decorative xmlns:adec="http://schemas.microsoft.com/office/drawing/2017/decorative" xmlns="" val="1"/>
+                <adec:decorative xmlns:adec="http://schemas.microsoft.com/office/drawing/2017/decorative" val="1"/>
               </a:ext>
             </a:extLst>
           </p:cNvPr>
@@ -10269,7 +10176,7 @@
                 <a16:creationId xmlns:a16="http://schemas.microsoft.com/office/drawing/2014/main" id="{E743141D-24A2-4BE2-B276-C20C06CB9601}"/>
               </a:ext>
               <a:ext uri="{C183D7F6-B498-43B3-948B-1728B52AA6E4}">
-                <adec:decorative xmlns:adec="http://schemas.microsoft.com/office/drawing/2017/decorative" xmlns="" val="1"/>
+                <adec:decorative xmlns:adec="http://schemas.microsoft.com/office/drawing/2017/decorative" val="1"/>
               </a:ext>
             </a:extLst>
           </p:cNvPr>
@@ -10615,7 +10522,7 @@
                 <a16:creationId xmlns:a16="http://schemas.microsoft.com/office/drawing/2014/main" id="{CABBCEB0-C572-483A-88B2-C65A607EC239}"/>
               </a:ext>
               <a:ext uri="{C183D7F6-B498-43B3-948B-1728B52AA6E4}">
-                <adec:decorative xmlns:adec="http://schemas.microsoft.com/office/drawing/2017/decorative" xmlns="" val="1"/>
+                <adec:decorative xmlns:adec="http://schemas.microsoft.com/office/drawing/2017/decorative" val="1"/>
               </a:ext>
             </a:extLst>
           </p:cNvPr>
@@ -10680,7 +10587,7 @@
                 <a16:creationId xmlns:a16="http://schemas.microsoft.com/office/drawing/2014/main" id="{764DDF8D-E0F6-454C-9BC5-15EF5630F5EA}"/>
               </a:ext>
               <a:ext uri="{C183D7F6-B498-43B3-948B-1728B52AA6E4}">
-                <adec:decorative xmlns:adec="http://schemas.microsoft.com/office/drawing/2017/decorative" xmlns="" val="1"/>
+                <adec:decorative xmlns:adec="http://schemas.microsoft.com/office/drawing/2017/decorative" val="1"/>
               </a:ext>
             </a:extLst>
           </p:cNvPr>
@@ -11910,7 +11817,7 @@
                 <a16:creationId xmlns:a16="http://schemas.microsoft.com/office/drawing/2014/main" id="{E5CF8EE9-A776-4052-ABB2-29666265C576}"/>
               </a:ext>
               <a:ext uri="{C183D7F6-B498-43B3-948B-1728B52AA6E4}">
-                <adec:decorative xmlns:adec="http://schemas.microsoft.com/office/drawing/2017/decorative" xmlns="" val="1"/>
+                <adec:decorative xmlns:adec="http://schemas.microsoft.com/office/drawing/2017/decorative" val="1"/>
               </a:ext>
             </a:extLst>
           </p:cNvPr>
@@ -12895,7 +12802,7 @@
         </p:blipFill>
         <p:spPr bwMode="auto">
           <a:xfrm>
-            <a:off x="8708994" y="3588794"/>
+            <a:off x="8708994" y="3365003"/>
             <a:ext cx="2307659" cy="2261590"/>
           </a:xfrm>
           <a:prstGeom prst="rect">
@@ -13112,8 +13019,8 @@
         </p:nvSpPr>
         <p:spPr>
           <a:xfrm>
-            <a:off x="8534895" y="5713248"/>
-            <a:ext cx="3077985" cy="738664"/>
+            <a:off x="8562327" y="5529084"/>
+            <a:ext cx="3077985" cy="954107"/>
           </a:xfrm>
           <a:prstGeom prst="rect">
             <a:avLst/>
@@ -13134,7 +13041,7 @@
           <a:p>
             <a:r>
               <a:rPr lang="en-US" sz="1400" b="1" dirty="0"/>
-              <a:t>to skin tone</a:t>
+              <a:t>to skin tone after virtual fitting of apparel as an additional feature</a:t>
             </a:r>
             <a:endParaRPr lang="en-IN" sz="1400" b="1" dirty="0"/>
           </a:p>
@@ -13442,6 +13349,58 @@
           </a:p>
         </p:txBody>
       </p:sp>
+      <p:sp>
+        <p:nvSpPr>
+          <p:cNvPr id="4" name="TextBox 3">
+            <a:extLst>
+              <a:ext uri="{FF2B5EF4-FFF2-40B4-BE49-F238E27FC236}">
+                <a16:creationId xmlns:a16="http://schemas.microsoft.com/office/drawing/2014/main" id="{AB3833B8-8F7C-4CD3-87B8-07F3194D1C38}"/>
+              </a:ext>
+            </a:extLst>
+          </p:cNvPr>
+          <p:cNvSpPr txBox="1"/>
+          <p:nvPr/>
+        </p:nvSpPr>
+        <p:spPr>
+          <a:xfrm>
+            <a:off x="206094" y="6456717"/>
+            <a:ext cx="13074900" cy="369332"/>
+          </a:xfrm>
+          <a:prstGeom prst="rect">
+            <a:avLst/>
+          </a:prstGeom>
+          <a:noFill/>
+        </p:spPr>
+        <p:txBody>
+          <a:bodyPr wrap="square" rtlCol="0">
+            <a:spAutoFit/>
+          </a:bodyPr>
+          <a:lstStyle/>
+          <a:p>
+            <a:r>
+              <a:rPr lang="en-US" b="1" dirty="0">
+                <a:solidFill>
+                  <a:schemeClr val="bg1"/>
+                </a:solidFill>
+              </a:rPr>
+              <a:t>Video explanation: </a:t>
+            </a:r>
+            <a:r>
+              <a:rPr lang="en-US" sz="1400" b="1" dirty="0">
+                <a:solidFill>
+                  <a:schemeClr val="bg1"/>
+                </a:solidFill>
+              </a:rPr>
+              <a:t>https://drive.google.com/file/d/1_6rKQvFWKZHts5nY8Gqsat4cKXuyshCQ/view?usp=sharing </a:t>
+            </a:r>
+            <a:endParaRPr lang="en-IN" sz="1400" b="1" dirty="0">
+              <a:solidFill>
+                <a:schemeClr val="bg1"/>
+              </a:solidFill>
+            </a:endParaRPr>
+          </a:p>
+        </p:txBody>
+      </p:sp>
     </p:spTree>
     <p:extLst>
       <p:ext uri="{BB962C8B-B14F-4D97-AF65-F5344CB8AC3E}">
@@ -13452,13 +13411,6 @@
   <p:clrMapOvr>
     <a:masterClrMapping/>
   </p:clrMapOvr>
-  <p:timing>
-    <p:tnLst>
-      <p:par>
-        <p:cTn id="1" dur="indefinite" restart="never" nodeType="tmRoot"/>
-      </p:par>
-    </p:tnLst>
-  </p:timing>
 </p:sld>
 </file>
 
@@ -13502,10 +13454,9 @@
           <a:lstStyle/>
           <a:p>
             <a:r>
-              <a:rPr lang="en-US" sz="3200" dirty="0" smtClean="0"/>
+              <a:rPr lang="en-US" sz="3200" dirty="0"/>
               <a:t>Size recommender mechanism</a:t>
             </a:r>
-            <a:endParaRPr lang="en-US" sz="3200" dirty="0"/>
           </a:p>
         </p:txBody>
       </p:sp>
@@ -13623,13 +13574,6 @@
   <p:clrMapOvr>
     <a:masterClrMapping/>
   </p:clrMapOvr>
-  <p:timing>
-    <p:tnLst>
-      <p:par>
-        <p:cTn id="1" dur="indefinite" restart="never" nodeType="tmRoot"/>
-      </p:par>
-    </p:tnLst>
-  </p:timing>
 </p:sld>
 </file>
 
@@ -13671,10 +13615,9 @@
           <a:lstStyle/>
           <a:p>
             <a:r>
-              <a:rPr lang="en-US" dirty="0" smtClean="0"/>
+              <a:rPr lang="en-US" dirty="0"/>
               <a:t>Virtual try-on</a:t>
             </a:r>
-            <a:endParaRPr lang="en-US" dirty="0"/>
           </a:p>
         </p:txBody>
       </p:sp>
@@ -13803,7 +13746,7 @@
           <a:p>
             <a:pPr algn="ctr"/>
             <a:r>
-              <a:rPr lang="en-US" b="1" dirty="0" err="1" smtClean="0">
+              <a:rPr lang="en-US" b="1" dirty="0" err="1">
                 <a:solidFill>
                   <a:schemeClr val="accent5">
                     <a:lumMod val="50000"/>
@@ -13812,7 +13755,7 @@
               </a:rPr>
               <a:t>JPPNet</a:t>
             </a:r>
-            <a:endParaRPr lang="en-US" b="1" dirty="0" smtClean="0">
+            <a:endParaRPr lang="en-US" b="1" dirty="0">
               <a:solidFill>
                 <a:schemeClr val="accent5">
                   <a:lumMod val="50000"/>
@@ -13823,7 +13766,7 @@
           <a:p>
             <a:pPr algn="ctr"/>
             <a:r>
-              <a:rPr lang="en-US" b="1" dirty="0" smtClean="0">
+              <a:rPr lang="en-US" b="1" dirty="0">
                 <a:solidFill>
                   <a:schemeClr val="accent5">
                     <a:lumMod val="50000"/>
@@ -13832,13 +13775,6 @@
               </a:rPr>
               <a:t>Model</a:t>
             </a:r>
-            <a:endParaRPr lang="en-US" b="1" dirty="0">
-              <a:solidFill>
-                <a:schemeClr val="accent5">
-                  <a:lumMod val="50000"/>
-                </a:schemeClr>
-              </a:solidFill>
-            </a:endParaRPr>
           </a:p>
         </p:txBody>
       </p:sp>
@@ -14005,7 +13941,7 @@
           <a:lstStyle/>
           <a:p>
             <a:r>
-              <a:rPr lang="en-US" dirty="0" smtClean="0"/>
+              <a:rPr lang="en-US" dirty="0"/>
               <a:t>User’s image</a:t>
             </a:r>
           </a:p>
@@ -14034,16 +13970,15 @@
           <a:lstStyle/>
           <a:p>
             <a:r>
-              <a:rPr lang="en-US" sz="1600" dirty="0" smtClean="0"/>
+              <a:rPr lang="en-US" sz="1600" dirty="0"/>
               <a:t>Segmentation of user’s body</a:t>
             </a:r>
           </a:p>
           <a:p>
             <a:r>
-              <a:rPr lang="en-US" sz="1600" dirty="0" smtClean="0"/>
+              <a:rPr lang="en-US" sz="1600" dirty="0"/>
               <a:t>(parsing)</a:t>
             </a:r>
-            <a:endParaRPr lang="en-US" sz="1600" dirty="0"/>
           </a:p>
         </p:txBody>
       </p:sp>
@@ -14151,13 +14086,8 @@
           <a:p>
             <a:r>
               <a:rPr lang="en-US" sz="1600" dirty="0"/>
-              <a:t>G</a:t>
-            </a:r>
-            <a:r>
-              <a:rPr lang="en-US" sz="1600" dirty="0" smtClean="0"/>
-              <a:t>oes to CPVTON+</a:t>
-            </a:r>
-            <a:endParaRPr lang="en-US" sz="1600" dirty="0"/>
+              <a:t>Goes to CPVTON+</a:t>
+            </a:r>
           </a:p>
         </p:txBody>
       </p:sp>
@@ -14214,10 +14144,9 @@
           <a:lstStyle/>
           <a:p>
             <a:r>
-              <a:rPr lang="en-US" sz="1600" dirty="0" smtClean="0"/>
+              <a:rPr lang="en-US" sz="1600" dirty="0"/>
               <a:t>Pose estimation</a:t>
             </a:r>
-            <a:endParaRPr lang="en-US" sz="1600" dirty="0"/>
           </a:p>
         </p:txBody>
       </p:sp>
@@ -14261,6 +14190,50 @@
           </a:p>
         </p:txBody>
       </p:sp>
+      <p:sp>
+        <p:nvSpPr>
+          <p:cNvPr id="4" name="TextBox 3">
+            <a:extLst>
+              <a:ext uri="{FF2B5EF4-FFF2-40B4-BE49-F238E27FC236}">
+                <a16:creationId xmlns:a16="http://schemas.microsoft.com/office/drawing/2014/main" id="{3480E689-9927-4354-9837-EF1B3A8CAD90}"/>
+              </a:ext>
+            </a:extLst>
+          </p:cNvPr>
+          <p:cNvSpPr txBox="1"/>
+          <p:nvPr/>
+        </p:nvSpPr>
+        <p:spPr>
+          <a:xfrm>
+            <a:off x="228599" y="6191417"/>
+            <a:ext cx="10440272" cy="646331"/>
+          </a:xfrm>
+          <a:prstGeom prst="rect">
+            <a:avLst/>
+          </a:prstGeom>
+          <a:noFill/>
+        </p:spPr>
+        <p:txBody>
+          <a:bodyPr wrap="square" rtlCol="0">
+            <a:spAutoFit/>
+          </a:bodyPr>
+          <a:lstStyle/>
+          <a:p>
+            <a:r>
+              <a:rPr lang="en-US" b="1" dirty="0">
+                <a:solidFill>
+                  <a:schemeClr val="bg1"/>
+                </a:solidFill>
+              </a:rPr>
+              <a:t>Video explanation: https://drive.google.com/file/d/1rTpOJP3tYutAdvjTHz6Kt37gBpT49Jhe/view?usp=sharing</a:t>
+            </a:r>
+            <a:endParaRPr lang="en-IN" b="1" dirty="0">
+              <a:solidFill>
+                <a:schemeClr val="bg1"/>
+              </a:solidFill>
+            </a:endParaRPr>
+          </a:p>
+        </p:txBody>
+      </p:sp>
     </p:spTree>
     <p:extLst>
       <p:ext uri="{BB962C8B-B14F-4D97-AF65-F5344CB8AC3E}">
@@ -14271,13 +14244,6 @@
   <p:clrMapOvr>
     <a:masterClrMapping/>
   </p:clrMapOvr>
-  <p:timing>
-    <p:tnLst>
-      <p:par>
-        <p:cTn id="1" dur="indefinite" restart="never" nodeType="tmRoot"/>
-      </p:par>
-    </p:tnLst>
-  </p:timing>
 </p:sld>
 </file>
 
@@ -14658,10 +14624,9 @@
           <a:lstStyle/>
           <a:p>
             <a:r>
-              <a:rPr lang="en-US" sz="3200" dirty="0" smtClean="0"/>
+              <a:rPr lang="en-US" sz="3200" dirty="0"/>
               <a:t>Virtual try-on results</a:t>
             </a:r>
-            <a:endParaRPr lang="en-US" sz="3200" dirty="0"/>
           </a:p>
         </p:txBody>
       </p:sp>
@@ -15008,10 +14973,9 @@
           <a:lstStyle/>
           <a:p>
             <a:r>
-              <a:rPr lang="en-US" sz="3000" dirty="0" smtClean="0"/>
+              <a:rPr lang="en-US" sz="3000" dirty="0"/>
               <a:t>Cloth recommendation based on skin tone of user</a:t>
             </a:r>
-            <a:endParaRPr lang="en-US" sz="3000" dirty="0"/>
           </a:p>
         </p:txBody>
       </p:sp>
@@ -15207,16 +15171,15 @@
           <a:lstStyle/>
           <a:p>
             <a:r>
-              <a:rPr lang="en-US" dirty="0" smtClean="0"/>
+              <a:rPr lang="en-US" dirty="0"/>
               <a:t>Skin-tone detection</a:t>
             </a:r>
           </a:p>
           <a:p>
             <a:r>
-              <a:rPr lang="en-US" dirty="0" smtClean="0"/>
+              <a:rPr lang="en-US" dirty="0"/>
               <a:t>module</a:t>
             </a:r>
-            <a:endParaRPr lang="en-US" dirty="0"/>
           </a:p>
         </p:txBody>
       </p:sp>
@@ -15283,7 +15246,7 @@
         </p:blipFill>
         <p:spPr bwMode="auto">
           <a:xfrm>
-            <a:off x="7391316" y="924153"/>
+            <a:off x="7285693" y="3599844"/>
             <a:ext cx="2475527" cy="1924134"/>
           </a:xfrm>
           <a:prstGeom prst="rect">
@@ -15309,7 +15272,7 @@
         </p:nvSpPr>
         <p:spPr>
           <a:xfrm>
-            <a:off x="7339412" y="2750026"/>
+            <a:off x="7163834" y="5439402"/>
             <a:ext cx="2878427" cy="584775"/>
           </a:xfrm>
           <a:prstGeom prst="rect">
@@ -15324,18 +15287,17 @@
           <a:lstStyle/>
           <a:p>
             <a:r>
-              <a:rPr lang="en-US" sz="1600" dirty="0" smtClean="0"/>
+              <a:rPr lang="en-US" sz="1600" dirty="0"/>
               <a:t>K-means clustering of 1</a:t>
             </a:r>
             <a:r>
-              <a:rPr lang="en-US" sz="1600" baseline="30000" dirty="0" smtClean="0"/>
+              <a:rPr lang="en-US" sz="1600" baseline="30000" dirty="0"/>
               <a:t>st</a:t>
             </a:r>
             <a:r>
-              <a:rPr lang="en-US" sz="1600" dirty="0" smtClean="0"/>
+              <a:rPr lang="en-US" sz="1600" dirty="0"/>
               <a:t> five dominant skin tones of user</a:t>
             </a:r>
-            <a:endParaRPr lang="en-US" sz="1600" dirty="0"/>
           </a:p>
         </p:txBody>
       </p:sp>
@@ -15361,7 +15323,7 @@
         </p:blipFill>
         <p:spPr>
           <a:xfrm>
-            <a:off x="7530527" y="3834223"/>
+            <a:off x="7616808" y="863087"/>
             <a:ext cx="1657363" cy="2057416"/>
           </a:xfrm>
           <a:prstGeom prst="rect">
@@ -15377,7 +15339,7 @@
         </p:nvSpPr>
         <p:spPr>
           <a:xfrm>
-            <a:off x="8359209" y="3362555"/>
+            <a:off x="8359208" y="3155930"/>
             <a:ext cx="243840" cy="443914"/>
           </a:xfrm>
           <a:prstGeom prst="downArrow">
@@ -15417,7 +15379,7 @@
         </p:nvSpPr>
         <p:spPr>
           <a:xfrm>
-            <a:off x="7391316" y="5842669"/>
+            <a:off x="7391315" y="2820936"/>
             <a:ext cx="2179627" cy="338554"/>
           </a:xfrm>
           <a:prstGeom prst="rect">
@@ -15432,10 +15394,9 @@
           <a:lstStyle/>
           <a:p>
             <a:r>
-              <a:rPr lang="en-US" sz="1600" dirty="0" smtClean="0"/>
+              <a:rPr lang="en-US" sz="1600" dirty="0"/>
               <a:t>Skin tone recognition</a:t>
             </a:r>
-            <a:endParaRPr lang="en-US" sz="1600" dirty="0"/>
           </a:p>
         </p:txBody>
       </p:sp>
@@ -15543,10 +15504,61 @@
           <a:lstStyle/>
           <a:p>
             <a:r>
-              <a:rPr lang="en-US" sz="1600" dirty="0" smtClean="0"/>
+              <a:rPr lang="en-US" sz="1600" dirty="0"/>
               <a:t>Cloth recommendation according to skin tone of user</a:t>
             </a:r>
-            <a:endParaRPr lang="en-US" sz="1600" dirty="0"/>
+          </a:p>
+        </p:txBody>
+      </p:sp>
+      <p:sp>
+        <p:nvSpPr>
+          <p:cNvPr id="4" name="TextBox 3">
+            <a:extLst>
+              <a:ext uri="{FF2B5EF4-FFF2-40B4-BE49-F238E27FC236}">
+                <a16:creationId xmlns:a16="http://schemas.microsoft.com/office/drawing/2014/main" id="{36ACDF46-6023-4ECA-8858-697FD3386083}"/>
+              </a:ext>
+            </a:extLst>
+          </p:cNvPr>
+          <p:cNvSpPr txBox="1"/>
+          <p:nvPr/>
+        </p:nvSpPr>
+        <p:spPr>
+          <a:xfrm>
+            <a:off x="159797" y="6409944"/>
+            <a:ext cx="12180163" cy="369332"/>
+          </a:xfrm>
+          <a:prstGeom prst="rect">
+            <a:avLst/>
+          </a:prstGeom>
+          <a:noFill/>
+        </p:spPr>
+        <p:txBody>
+          <a:bodyPr wrap="square" rtlCol="0">
+            <a:spAutoFit/>
+          </a:bodyPr>
+          <a:lstStyle/>
+          <a:p>
+            <a:r>
+              <a:rPr lang="en-US" b="1" dirty="0">
+                <a:solidFill>
+                  <a:schemeClr val="bg1"/>
+                </a:solidFill>
+              </a:rPr>
+              <a:t>Video explanation: </a:t>
+            </a:r>
+            <a:r>
+              <a:rPr lang="en-US" sz="1600" b="1" dirty="0">
+                <a:solidFill>
+                  <a:schemeClr val="bg1"/>
+                </a:solidFill>
+              </a:rPr>
+              <a:t>https://drive.google.com/file/d/1HpBDFUUsn6dM4Zy0c-9r09NkhWTiuhKT/view?usp=sharing</a:t>
+            </a:r>
+            <a:endParaRPr lang="en-IN" sz="1600" b="1" dirty="0">
+              <a:solidFill>
+                <a:schemeClr val="bg1"/>
+              </a:solidFill>
+            </a:endParaRPr>
           </a:p>
         </p:txBody>
       </p:sp>
@@ -15560,13 +15572,6 @@
   <p:clrMapOvr>
     <a:masterClrMapping/>
   </p:clrMapOvr>
-  <p:timing>
-    <p:tnLst>
-      <p:par>
-        <p:cTn id="1" dur="indefinite" restart="never" nodeType="tmRoot"/>
-      </p:par>
-    </p:tnLst>
-  </p:timing>
 </p:sld>
 </file>
 
@@ -15761,10 +15766,9 @@
           <a:lstStyle/>
           <a:p>
             <a:r>
-              <a:rPr lang="en-US" dirty="0" smtClean="0"/>
+              <a:rPr lang="en-US" dirty="0"/>
               <a:t>Skin detection</a:t>
             </a:r>
-            <a:endParaRPr lang="en-US" dirty="0"/>
           </a:p>
         </p:txBody>
       </p:sp>
@@ -15791,10 +15795,9 @@
           <a:lstStyle/>
           <a:p>
             <a:r>
-              <a:rPr lang="en-US" dirty="0" smtClean="0"/>
+              <a:rPr lang="en-US" dirty="0"/>
               <a:t>Skin tone recognition</a:t>
             </a:r>
-            <a:endParaRPr lang="en-US" dirty="0"/>
           </a:p>
         </p:txBody>
       </p:sp>
@@ -15821,10 +15824,9 @@
           <a:lstStyle/>
           <a:p>
             <a:r>
-              <a:rPr lang="en-US" dirty="0" smtClean="0"/>
+              <a:rPr lang="en-US" dirty="0"/>
               <a:t>Recommended cloths based on skin tone</a:t>
             </a:r>
-            <a:endParaRPr lang="en-US" dirty="0"/>
           </a:p>
         </p:txBody>
       </p:sp>
@@ -15952,13 +15954,6 @@
   <p:clrMapOvr>
     <a:masterClrMapping/>
   </p:clrMapOvr>
-  <p:timing>
-    <p:tnLst>
-      <p:par>
-        <p:cTn id="1" dur="indefinite" restart="never" nodeType="tmRoot"/>
-      </p:par>
-    </p:tnLst>
-  </p:timing>
 </p:sld>
 </file>
 
@@ -16478,6 +16473,15 @@
 </file>
 
 <file path=customXml/item2.xml><?xml version="1.0" encoding="utf-8"?>
+<?mso-contentType ?>
+<FormTemplates xmlns="http://schemas.microsoft.com/sharepoint/v3/contenttype/forms">
+  <Display>DocumentLibraryForm</Display>
+  <Edit>DocumentLibraryForm</Edit>
+  <New>DocumentLibraryForm</New>
+</FormTemplates>
+</file>
+
+<file path=customXml/item3.xml><?xml version="1.0" encoding="utf-8"?>
 <ct:contentTypeSchema xmlns:ct="http://schemas.microsoft.com/office/2006/metadata/contentType" xmlns:ma="http://schemas.microsoft.com/office/2006/metadata/properties/metaAttributes" ct:_="" ma:_="" ma:contentTypeName="Document" ma:contentTypeID="0x01010079F111ED35F8CC479449609E8A0923A6" ma:contentTypeVersion="18" ma:contentTypeDescription="Create a new document." ma:contentTypeScope="" ma:versionID="22a266b9fa9a230c5a512669d8b298c3">
   <xsd:schema xmlns:xsd="http://www.w3.org/2001/XMLSchema" xmlns:xs="http://www.w3.org/2001/XMLSchema" xmlns:p="http://schemas.microsoft.com/office/2006/metadata/properties" xmlns:ns1="http://schemas.microsoft.com/sharepoint/v3" xmlns:ns2="71af3243-3dd4-4a8d-8c0d-dd76da1f02a5" xmlns:ns3="16c05727-aa75-4e4a-9b5f-8a80a1165891" xmlns:ns4="230e9df3-be65-4c73-a93b-d1236ebd677e" targetNamespace="http://schemas.microsoft.com/office/2006/metadata/properties" ma:root="true" ma:fieldsID="eddc33fff6b14141ee5c74a0d29ea6a1" ns1:_="" ns2:_="" ns3:_="" ns4:_="">
     <xsd:import namespace="http://schemas.microsoft.com/sharepoint/v3"/>
@@ -16753,15 +16757,6 @@
 </ct:contentTypeSchema>
 </file>
 
-<file path=customXml/item3.xml><?xml version="1.0" encoding="utf-8"?>
-<?mso-contentType ?>
-<FormTemplates xmlns="http://schemas.microsoft.com/sharepoint/v3/contenttype/forms">
-  <Display>DocumentLibraryForm</Display>
-  <Edit>DocumentLibraryForm</Edit>
-  <New>DocumentLibraryForm</New>
-</FormTemplates>
-</file>
-
 <file path=customXml/itemProps1.xml><?xml version="1.0" encoding="utf-8"?>
 <ds:datastoreItem xmlns:ds="http://schemas.openxmlformats.org/officeDocument/2006/customXml" ds:itemID="{9B9123E8-1B6B-49B5-873D-A8D01C369B68}">
   <ds:schemaRefs>
@@ -16775,6 +16770,14 @@
 </file>
 
 <file path=customXml/itemProps2.xml><?xml version="1.0" encoding="utf-8"?>
+<ds:datastoreItem xmlns:ds="http://schemas.openxmlformats.org/officeDocument/2006/customXml" ds:itemID="{8C51EB17-D597-42E7-995C-18B75FCBF237}">
+  <ds:schemaRefs>
+    <ds:schemaRef ds:uri="http://schemas.microsoft.com/sharepoint/v3/contenttype/forms"/>
+  </ds:schemaRefs>
+</ds:datastoreItem>
+</file>
+
+<file path=customXml/itemProps3.xml><?xml version="1.0" encoding="utf-8"?>
 <ds:datastoreItem xmlns:ds="http://schemas.openxmlformats.org/officeDocument/2006/customXml" ds:itemID="{61E43E0E-1DE3-4D32-85EB-739731B9E71E}">
   <ds:schemaRefs>
     <ds:schemaRef ds:uri="http://schemas.microsoft.com/office/2006/metadata/contentType"/>
@@ -16795,14 +16798,6 @@
 </ds:datastoreItem>
 </file>
 
-<file path=customXml/itemProps3.xml><?xml version="1.0" encoding="utf-8"?>
-<ds:datastoreItem xmlns:ds="http://schemas.openxmlformats.org/officeDocument/2006/customXml" ds:itemID="{8C51EB17-D597-42E7-995C-18B75FCBF237}">
-  <ds:schemaRefs>
-    <ds:schemaRef ds:uri="http://schemas.microsoft.com/sharepoint/v3/contenttype/forms"/>
-  </ds:schemaRefs>
-</ds:datastoreItem>
-</file>
-
 <file path=docMetadata/LabelInfo.xml><?xml version="1.0" encoding="utf-8"?>
 <clbl:labelList xmlns:clbl="http://schemas.microsoft.com/office/2020/mipLabelMetadata">
   <clbl:label id="{f42aa342-8706-4288-bd11-ebb85995028c}" enabled="1" method="Standard" siteId="{72f988bf-86f1-41af-91ab-2d7cd011db47}" contentBits="0" removed="0"/>
